--- a/Checkpoint_2.pptx
+++ b/Checkpoint_2.pptx
@@ -3570,7 +3570,7 @@
         <p:spPr/>
         <p:txBody>
           <a:bodyPr>
-            <a:normAutofit fontScale="92500"/>
+            <a:normAutofit fontScale="92500" lnSpcReduction="10000"/>
           </a:bodyPr>
           <a:lstStyle/>
           <a:p>
@@ -3677,7 +3677,49 @@
                 <a:latin typeface="Segoe UI Light" panose="020B0502040204020203" pitchFamily="34" charset="0"/>
                 <a:cs typeface="Segoe UI Light" panose="020B0502040204020203" pitchFamily="34" charset="0"/>
               </a:rPr>
-              <a:t>Будем стараться увеличить.</a:t>
+              <a:t>По </a:t>
+            </a:r>
+            <a:r>
+              <a:rPr lang="en-US" sz="2400" dirty="0">
+                <a:latin typeface="Segoe UI Light" panose="020B0502040204020203" pitchFamily="34" charset="0"/>
+                <a:cs typeface="Segoe UI Light" panose="020B0502040204020203" pitchFamily="34" charset="0"/>
+              </a:rPr>
+              <a:t>Feature-</a:t>
+            </a:r>
+            <a:r>
+              <a:rPr lang="ru-RU" sz="2400" dirty="0">
+                <a:latin typeface="Segoe UI Light" panose="020B0502040204020203" pitchFamily="34" charset="0"/>
+                <a:cs typeface="Segoe UI Light" panose="020B0502040204020203" pitchFamily="34" charset="0"/>
+              </a:rPr>
+              <a:t>подходу достигнута </a:t>
+            </a:r>
+            <a:r>
+              <a:rPr lang="en-US" sz="2400" dirty="0">
+                <a:latin typeface="Segoe UI Light" panose="020B0502040204020203" pitchFamily="34" charset="0"/>
+                <a:cs typeface="Segoe UI Light" panose="020B0502040204020203" pitchFamily="34" charset="0"/>
+              </a:rPr>
+              <a:t>MAE ~</a:t>
+            </a:r>
+            <a:r>
+              <a:rPr lang="ru-RU" sz="2400" dirty="0">
+                <a:latin typeface="Segoe UI Light" panose="020B0502040204020203" pitchFamily="34" charset="0"/>
+                <a:cs typeface="Segoe UI Light" panose="020B0502040204020203" pitchFamily="34" charset="0"/>
+              </a:rPr>
+              <a:t>8%.</a:t>
+            </a:r>
+            <a:r>
+              <a:rPr lang="en-US" sz="2400" dirty="0">
+                <a:latin typeface="Segoe UI Light" panose="020B0502040204020203" pitchFamily="34" charset="0"/>
+                <a:cs typeface="Segoe UI Light" panose="020B0502040204020203" pitchFamily="34" charset="0"/>
+              </a:rPr>
+              <a:t> </a:t>
+            </a:r>
+            <a:r>
+              <a:rPr lang="ru-RU" sz="2400" dirty="0">
+                <a:latin typeface="Segoe UI Light" panose="020B0502040204020203" pitchFamily="34" charset="0"/>
+                <a:cs typeface="Segoe UI Light" panose="020B0502040204020203" pitchFamily="34" charset="0"/>
+              </a:rPr>
+              <a:t>Будем стараться улучшить результаты.</a:t>
             </a:r>
           </a:p>
           <a:p>
@@ -9632,6 +9674,51 @@
           </a:prstGeom>
         </p:spPr>
       </p:pic>
+      <p:sp>
+        <p:nvSpPr>
+          <p:cNvPr id="4" name="TextBox 3">
+            <a:extLst>
+              <a:ext uri="{FF2B5EF4-FFF2-40B4-BE49-F238E27FC236}">
+                <a16:creationId xmlns:a16="http://schemas.microsoft.com/office/drawing/2014/main" id="{756ADC63-6C45-DCEF-B26D-7CC90E0A74B0}"/>
+              </a:ext>
+            </a:extLst>
+          </p:cNvPr>
+          <p:cNvSpPr txBox="1"/>
+          <p:nvPr/>
+        </p:nvSpPr>
+        <p:spPr>
+          <a:xfrm>
+            <a:off x="664128" y="6283039"/>
+            <a:ext cx="6997585" cy="369332"/>
+          </a:xfrm>
+          <a:prstGeom prst="rect">
+            <a:avLst/>
+          </a:prstGeom>
+          <a:noFill/>
+        </p:spPr>
+        <p:txBody>
+          <a:bodyPr wrap="square" rtlCol="0">
+            <a:spAutoFit/>
+          </a:bodyPr>
+          <a:lstStyle/>
+          <a:p>
+            <a:r>
+              <a:rPr lang="ru-RU" b="1" dirty="0">
+                <a:latin typeface="Segoe UI Light" panose="020B0502040204020203" pitchFamily="34" charset="0"/>
+                <a:cs typeface="Segoe UI Light" panose="020B0502040204020203" pitchFamily="34" charset="0"/>
+              </a:rPr>
+              <a:t>На данный момент достигнута </a:t>
+            </a:r>
+            <a:r>
+              <a:rPr lang="en-US" b="1" dirty="0">
+                <a:latin typeface="Segoe UI Light" panose="020B0502040204020203" pitchFamily="34" charset="0"/>
+                <a:cs typeface="Segoe UI Light" panose="020B0502040204020203" pitchFamily="34" charset="0"/>
+              </a:rPr>
+              <a:t>MAE ~8%</a:t>
+            </a:r>
+          </a:p>
+        </p:txBody>
+      </p:sp>
     </p:spTree>
     <p:extLst>
       <p:ext uri="{BB962C8B-B14F-4D97-AF65-F5344CB8AC3E}">
